--- a/figures/ProfilePlotLegend.pptx
+++ b/figures/ProfilePlotLegend.pptx
@@ -288,7 +288,7 @@
           <a:p>
             <a:fld id="{5433B9D1-2EA5-473F-AA6C-7DCA0427B43F}" type="datetimeFigureOut">
               <a:rPr lang="en-US" smtClean="0"/>
-              <a:t>3/21/2013</a:t>
+              <a:t>4/13/2013</a:t>
             </a:fld>
             <a:endParaRPr lang="en-US"/>
           </a:p>
@@ -458,7 +458,7 @@
           <a:p>
             <a:fld id="{5433B9D1-2EA5-473F-AA6C-7DCA0427B43F}" type="datetimeFigureOut">
               <a:rPr lang="en-US" smtClean="0"/>
-              <a:t>3/21/2013</a:t>
+              <a:t>4/13/2013</a:t>
             </a:fld>
             <a:endParaRPr lang="en-US"/>
           </a:p>
@@ -638,7 +638,7 @@
           <a:p>
             <a:fld id="{5433B9D1-2EA5-473F-AA6C-7DCA0427B43F}" type="datetimeFigureOut">
               <a:rPr lang="en-US" smtClean="0"/>
-              <a:t>3/21/2013</a:t>
+              <a:t>4/13/2013</a:t>
             </a:fld>
             <a:endParaRPr lang="en-US"/>
           </a:p>
@@ -808,7 +808,7 @@
           <a:p>
             <a:fld id="{5433B9D1-2EA5-473F-AA6C-7DCA0427B43F}" type="datetimeFigureOut">
               <a:rPr lang="en-US" smtClean="0"/>
-              <a:t>3/21/2013</a:t>
+              <a:t>4/13/2013</a:t>
             </a:fld>
             <a:endParaRPr lang="en-US"/>
           </a:p>
@@ -1054,7 +1054,7 @@
           <a:p>
             <a:fld id="{5433B9D1-2EA5-473F-AA6C-7DCA0427B43F}" type="datetimeFigureOut">
               <a:rPr lang="en-US" smtClean="0"/>
-              <a:t>3/21/2013</a:t>
+              <a:t>4/13/2013</a:t>
             </a:fld>
             <a:endParaRPr lang="en-US"/>
           </a:p>
@@ -1342,7 +1342,7 @@
           <a:p>
             <a:fld id="{5433B9D1-2EA5-473F-AA6C-7DCA0427B43F}" type="datetimeFigureOut">
               <a:rPr lang="en-US" smtClean="0"/>
-              <a:t>3/21/2013</a:t>
+              <a:t>4/13/2013</a:t>
             </a:fld>
             <a:endParaRPr lang="en-US"/>
           </a:p>
@@ -1769,7 +1769,7 @@
           <a:p>
             <a:fld id="{5433B9D1-2EA5-473F-AA6C-7DCA0427B43F}" type="datetimeFigureOut">
               <a:rPr lang="en-US" smtClean="0"/>
-              <a:t>3/21/2013</a:t>
+              <a:t>4/13/2013</a:t>
             </a:fld>
             <a:endParaRPr lang="en-US"/>
           </a:p>
@@ -1887,7 +1887,7 @@
           <a:p>
             <a:fld id="{5433B9D1-2EA5-473F-AA6C-7DCA0427B43F}" type="datetimeFigureOut">
               <a:rPr lang="en-US" smtClean="0"/>
-              <a:t>3/21/2013</a:t>
+              <a:t>4/13/2013</a:t>
             </a:fld>
             <a:endParaRPr lang="en-US"/>
           </a:p>
@@ -1982,7 +1982,7 @@
           <a:p>
             <a:fld id="{5433B9D1-2EA5-473F-AA6C-7DCA0427B43F}" type="datetimeFigureOut">
               <a:rPr lang="en-US" smtClean="0"/>
-              <a:t>3/21/2013</a:t>
+              <a:t>4/13/2013</a:t>
             </a:fld>
             <a:endParaRPr lang="en-US"/>
           </a:p>
@@ -2259,7 +2259,7 @@
           <a:p>
             <a:fld id="{5433B9D1-2EA5-473F-AA6C-7DCA0427B43F}" type="datetimeFigureOut">
               <a:rPr lang="en-US" smtClean="0"/>
-              <a:t>3/21/2013</a:t>
+              <a:t>4/13/2013</a:t>
             </a:fld>
             <a:endParaRPr lang="en-US"/>
           </a:p>
@@ -2512,7 +2512,7 @@
           <a:p>
             <a:fld id="{5433B9D1-2EA5-473F-AA6C-7DCA0427B43F}" type="datetimeFigureOut">
               <a:rPr lang="en-US" smtClean="0"/>
-              <a:t>3/21/2013</a:t>
+              <a:t>4/13/2013</a:t>
             </a:fld>
             <a:endParaRPr lang="en-US"/>
           </a:p>
@@ -2725,7 +2725,7 @@
           <a:p>
             <a:fld id="{5433B9D1-2EA5-473F-AA6C-7DCA0427B43F}" type="datetimeFigureOut">
               <a:rPr lang="en-US" smtClean="0"/>
-              <a:t>3/21/2013</a:t>
+              <a:t>4/13/2013</a:t>
             </a:fld>
             <a:endParaRPr lang="en-US"/>
           </a:p>
@@ -3271,47 +3271,6 @@
               </a:rPr>
               <a:t>stressed, and annoyed were you? </a:t>
             </a:r>
-          </a:p>
-        </p:txBody>
-      </p:sp>
-      <p:sp>
-        <p:nvSpPr>
-          <p:cNvPr id="9" name="Rechteck 8"/>
-          <p:cNvSpPr/>
-          <p:nvPr/>
-        </p:nvSpPr>
-        <p:spPr>
-          <a:xfrm>
-            <a:off x="248072" y="4433044"/>
-            <a:ext cx="7697948" cy="584775"/>
-          </a:xfrm>
-          <a:prstGeom prst="rect">
-            <a:avLst/>
-          </a:prstGeom>
-        </p:spPr>
-        <p:txBody>
-          <a:bodyPr wrap="square">
-            <a:spAutoFit/>
-          </a:bodyPr>
-          <a:lstStyle/>
-          <a:p>
-            <a:r>
-              <a:rPr lang="en-US" sz="1600" dirty="0" smtClean="0">
-                <a:latin typeface="Sanssarif"/>
-              </a:rPr>
-              <a:t>What box attribute did you mainly look </a:t>
-            </a:r>
-          </a:p>
-          <a:p>
-            <a:r>
-              <a:rPr lang="en-US" sz="1600" dirty="0" smtClean="0">
-                <a:latin typeface="Sanssarif"/>
-              </a:rPr>
-              <a:t>for to reach your result?</a:t>
-            </a:r>
-            <a:endParaRPr lang="en-US" sz="1600" dirty="0">
-              <a:latin typeface="Sanssarif"/>
-            </a:endParaRPr>
           </a:p>
         </p:txBody>
       </p:sp>
